--- a/assets/workshops/Intro To Git & GitHub.pptx
+++ b/assets/workshops/Intro To Git & GitHub.pptx
@@ -880,7 +880,7 @@
 <dgm:dataModel xmlns:dgm="http://schemas.openxmlformats.org/drawingml/2006/diagram" xmlns:a="http://schemas.openxmlformats.org/drawingml/2006/main">
   <dgm:ptLst>
     <dgm:pt modelId="{BBB26582-D2D0-4D2E-8630-E74BEE0CA605}" type="doc">
-      <dgm:prSet loTypeId="urn:microsoft.com/office/officeart/2016/7/layout/LinearArrowProcessNumbered" loCatId="process" qsTypeId="urn:microsoft.com/office/officeart/2005/8/quickstyle/simple1" qsCatId="simple" csTypeId="urn:microsoft.com/office/officeart/2005/8/colors/accent6_2" csCatId="accent6"/>
+      <dgm:prSet loTypeId="urn:microsoft.com/office/officeart/2016/7/layout/LinearArrowProcessNumbered" loCatId="process" qsTypeId="urn:microsoft.com/office/officeart/2005/8/quickstyle/simple1" qsCatId="simple" csTypeId="urn:microsoft.com/office/officeart/2005/8/colors/accent6_2" csCatId="accent6" phldr="1"/>
       <dgm:spPr/>
       <dgm:t>
         <a:bodyPr/>
@@ -946,18 +946,22 @@
         <a:lstStyle/>
         <a:p>
           <a:r>
-            <a:rPr lang="en-GB"/>
+            <a:rPr lang="en-GB" dirty="0"/>
             <a:t>Now we can create files and modify them, but to add them to git, we run “</a:t>
           </a:r>
           <a:r>
-            <a:rPr lang="en-GB" b="1"/>
-            <a:t>git add *</a:t>
+            <a:rPr lang="en-GB" b="1" dirty="0"/>
+            <a:t>git add </a:t>
           </a:r>
           <a:r>
-            <a:rPr lang="en-GB"/>
+            <a:rPr lang="en-GB" b="1" dirty="0" smtClean="0"/>
+            <a:t>.</a:t>
+          </a:r>
+          <a:r>
+            <a:rPr lang="en-GB" dirty="0" smtClean="0"/>
             <a:t>”</a:t>
           </a:r>
-          <a:endParaRPr lang="en-US"/>
+          <a:endParaRPr lang="en-US" dirty="0"/>
         </a:p>
       </dgm:t>
     </dgm:pt>
@@ -1087,6 +1091,13 @@
         </dgm:presLayoutVars>
       </dgm:prSet>
       <dgm:spPr/>
+      <dgm:t>
+        <a:bodyPr/>
+        <a:lstStyle/>
+        <a:p>
+          <a:endParaRPr lang="en-US"/>
+        </a:p>
+      </dgm:t>
     </dgm:pt>
     <dgm:pt modelId="{13077817-B26A-4C62-84F9-2AA83856D6A5}" type="pres">
       <dgm:prSet presAssocID="{EDCE15AE-FC79-43C8-ACF6-150F12CD9557}" presName="compositeNode" presStyleCnt="0"/>
@@ -1122,6 +1133,13 @@
         </dgm:presLayoutVars>
       </dgm:prSet>
       <dgm:spPr/>
+      <dgm:t>
+        <a:bodyPr/>
+        <a:lstStyle/>
+        <a:p>
+          <a:endParaRPr lang="en-US"/>
+        </a:p>
+      </dgm:t>
     </dgm:pt>
     <dgm:pt modelId="{AB2D0B71-3E95-4E5D-8126-BB9C856A1AE8}" type="pres">
       <dgm:prSet presAssocID="{3DCB7B24-9EBA-4375-9455-BF91FD79D97A}" presName="spacerBetweenCircleAndCallout" presStyleCnt="0">
@@ -1136,6 +1154,13 @@
         </dgm:presLayoutVars>
       </dgm:prSet>
       <dgm:spPr/>
+      <dgm:t>
+        <a:bodyPr/>
+        <a:lstStyle/>
+        <a:p>
+          <a:endParaRPr lang="en-US"/>
+        </a:p>
+      </dgm:t>
     </dgm:pt>
     <dgm:pt modelId="{DB3FA429-5F3E-4619-9D2E-C3BA8E325A79}" type="pres">
       <dgm:prSet presAssocID="{3DCB7B24-9EBA-4375-9455-BF91FD79D97A}" presName="sibTransComposite" presStyleCnt="0"/>
@@ -1175,6 +1200,13 @@
         </dgm:presLayoutVars>
       </dgm:prSet>
       <dgm:spPr/>
+      <dgm:t>
+        <a:bodyPr/>
+        <a:lstStyle/>
+        <a:p>
+          <a:endParaRPr lang="en-US"/>
+        </a:p>
+      </dgm:t>
     </dgm:pt>
     <dgm:pt modelId="{2A16CB94-D168-4E97-A8A9-D3669CDF6EAF}" type="pres">
       <dgm:prSet presAssocID="{E1458374-551C-42DD-AC5C-50E43606E0E6}" presName="spacerBetweenCircleAndCallout" presStyleCnt="0">
@@ -1189,6 +1221,13 @@
         </dgm:presLayoutVars>
       </dgm:prSet>
       <dgm:spPr/>
+      <dgm:t>
+        <a:bodyPr/>
+        <a:lstStyle/>
+        <a:p>
+          <a:endParaRPr lang="en-US"/>
+        </a:p>
+      </dgm:t>
     </dgm:pt>
     <dgm:pt modelId="{608E3F8C-3A3F-4550-8AE6-DD8DE2B4294F}" type="pres">
       <dgm:prSet presAssocID="{E1458374-551C-42DD-AC5C-50E43606E0E6}" presName="sibTransComposite" presStyleCnt="0"/>
@@ -1228,6 +1267,13 @@
         </dgm:presLayoutVars>
       </dgm:prSet>
       <dgm:spPr/>
+      <dgm:t>
+        <a:bodyPr/>
+        <a:lstStyle/>
+        <a:p>
+          <a:endParaRPr lang="en-US"/>
+        </a:p>
+      </dgm:t>
     </dgm:pt>
     <dgm:pt modelId="{09CFB336-3DF9-4EF3-A8E3-83C069DE6B61}" type="pres">
       <dgm:prSet presAssocID="{39290786-9B73-4FCA-99F4-A4EC9FF8AEE4}" presName="spacerBetweenCircleAndCallout" presStyleCnt="0">
@@ -1242,6 +1288,13 @@
         </dgm:presLayoutVars>
       </dgm:prSet>
       <dgm:spPr/>
+      <dgm:t>
+        <a:bodyPr/>
+        <a:lstStyle/>
+        <a:p>
+          <a:endParaRPr lang="en-US"/>
+        </a:p>
+      </dgm:t>
     </dgm:pt>
     <dgm:pt modelId="{6936F22C-5737-4A66-9F23-D301B4E403EE}" type="pres">
       <dgm:prSet presAssocID="{39290786-9B73-4FCA-99F4-A4EC9FF8AEE4}" presName="sibTransComposite" presStyleCnt="0"/>
@@ -1281,6 +1334,13 @@
         </dgm:presLayoutVars>
       </dgm:prSet>
       <dgm:spPr/>
+      <dgm:t>
+        <a:bodyPr/>
+        <a:lstStyle/>
+        <a:p>
+          <a:endParaRPr lang="en-US"/>
+        </a:p>
+      </dgm:t>
     </dgm:pt>
     <dgm:pt modelId="{0EC6DB24-4292-483F-9DA1-F1ACE8F37F3C}" type="pres">
       <dgm:prSet presAssocID="{DB21E6A2-F1F9-4806-88D9-A933DFD6E7D5}" presName="spacerBetweenCircleAndCallout" presStyleCnt="0">
@@ -1295,22 +1355,29 @@
         </dgm:presLayoutVars>
       </dgm:prSet>
       <dgm:spPr/>
+      <dgm:t>
+        <a:bodyPr/>
+        <a:lstStyle/>
+        <a:p>
+          <a:endParaRPr lang="en-US"/>
+        </a:p>
+      </dgm:t>
     </dgm:pt>
   </dgm:ptLst>
   <dgm:cxnLst>
+    <dgm:cxn modelId="{39B695B6-6C94-48CA-98CC-75850F4DA9E3}" srcId="{BBB26582-D2D0-4D2E-8630-E74BEE0CA605}" destId="{A9D2977C-9EFA-412C-8B0F-4D8167BCAC1B}" srcOrd="1" destOrd="0" parTransId="{22BBE652-F027-4E95-834C-EA5B37BDD8E2}" sibTransId="{E1458374-551C-42DD-AC5C-50E43606E0E6}"/>
+    <dgm:cxn modelId="{6A4EE1D6-30C4-4B22-B16D-D91BDF39D3C5}" srcId="{BBB26582-D2D0-4D2E-8630-E74BEE0CA605}" destId="{3649C269-CC8C-412A-BE67-CBF134A3DBA2}" srcOrd="2" destOrd="0" parTransId="{AFDAAC13-A4B6-43E2-BFD2-22CFBDF4FF24}" sibTransId="{39290786-9B73-4FCA-99F4-A4EC9FF8AEE4}"/>
+    <dgm:cxn modelId="{B992FFB2-4343-4BCB-803A-047EB08FF8AF}" type="presOf" srcId="{DB21E6A2-F1F9-4806-88D9-A933DFD6E7D5}" destId="{8AA3F61D-9005-482E-8DBC-3BBB22BA4B28}" srcOrd="0" destOrd="0" presId="urn:microsoft.com/office/officeart/2016/7/layout/LinearArrowProcessNumbered"/>
+    <dgm:cxn modelId="{C26DB5FE-E2BD-48FF-A063-9B0584E112B2}" type="presOf" srcId="{E1458374-551C-42DD-AC5C-50E43606E0E6}" destId="{1BF912B9-1DE9-4A6E-A546-D6B21BCB32C0}" srcOrd="0" destOrd="0" presId="urn:microsoft.com/office/officeart/2016/7/layout/LinearArrowProcessNumbered"/>
+    <dgm:cxn modelId="{D1CA7A9F-B867-4650-8E28-C2470CCB0D6B}" type="presOf" srcId="{6B13A1B9-862A-4D5B-AA77-9D58688564BF}" destId="{6987E3E3-2F14-45D5-BCF2-6BB75407FE17}" srcOrd="0" destOrd="0" presId="urn:microsoft.com/office/officeart/2016/7/layout/LinearArrowProcessNumbered"/>
+    <dgm:cxn modelId="{E771F3C3-F04C-45AE-AEAE-79609EFD20AD}" type="presOf" srcId="{3DCB7B24-9EBA-4375-9455-BF91FD79D97A}" destId="{E680EB01-E690-426E-A388-D4281794F6D6}" srcOrd="0" destOrd="0" presId="urn:microsoft.com/office/officeart/2016/7/layout/LinearArrowProcessNumbered"/>
+    <dgm:cxn modelId="{55CD9A55-7F59-4EE5-A2CF-3930A7441C0C}" type="presOf" srcId="{BBB26582-D2D0-4D2E-8630-E74BEE0CA605}" destId="{59659A8F-9E15-4E14-A09A-6EDA8DCC5FF7}" srcOrd="0" destOrd="0" presId="urn:microsoft.com/office/officeart/2016/7/layout/LinearArrowProcessNumbered"/>
+    <dgm:cxn modelId="{1B5066FB-69D4-4BD0-96FC-0F7FCA420CA3}" type="presOf" srcId="{A9D2977C-9EFA-412C-8B0F-4D8167BCAC1B}" destId="{E436178D-1D58-4CBD-B71A-1007645C5B9A}" srcOrd="0" destOrd="0" presId="urn:microsoft.com/office/officeart/2016/7/layout/LinearArrowProcessNumbered"/>
+    <dgm:cxn modelId="{0854791C-E909-42B1-BB55-1919D219B760}" type="presOf" srcId="{3649C269-CC8C-412A-BE67-CBF134A3DBA2}" destId="{EAAC11EB-0C6C-4702-852D-976E0A07E449}" srcOrd="0" destOrd="0" presId="urn:microsoft.com/office/officeart/2016/7/layout/LinearArrowProcessNumbered"/>
+    <dgm:cxn modelId="{5E4A2684-35AF-4CEB-A7D2-DC0D7C8AEF0B}" type="presOf" srcId="{EDCE15AE-FC79-43C8-ACF6-150F12CD9557}" destId="{BB4306C1-7513-4445-BA74-692E64FA5717}" srcOrd="0" destOrd="0" presId="urn:microsoft.com/office/officeart/2016/7/layout/LinearArrowProcessNumbered"/>
+    <dgm:cxn modelId="{58221EA5-6733-4795-BE3C-BA62AD5245DC}" srcId="{BBB26582-D2D0-4D2E-8630-E74BEE0CA605}" destId="{EDCE15AE-FC79-43C8-ACF6-150F12CD9557}" srcOrd="0" destOrd="0" parTransId="{3506D4AF-C52F-4091-9CA0-89299467BC73}" sibTransId="{3DCB7B24-9EBA-4375-9455-BF91FD79D97A}"/>
+    <dgm:cxn modelId="{6ABFCBE8-0E27-4A90-B489-82AC8CA8C10B}" type="presOf" srcId="{39290786-9B73-4FCA-99F4-A4EC9FF8AEE4}" destId="{E6B6BF8C-6CD1-4BC2-B657-32AA5E35F973}" srcOrd="0" destOrd="0" presId="urn:microsoft.com/office/officeart/2016/7/layout/LinearArrowProcessNumbered"/>
     <dgm:cxn modelId="{90A85914-CA32-4ADE-B303-A1201066E93F}" srcId="{BBB26582-D2D0-4D2E-8630-E74BEE0CA605}" destId="{6B13A1B9-862A-4D5B-AA77-9D58688564BF}" srcOrd="3" destOrd="0" parTransId="{03267E31-0075-4F41-AF2D-95E3FE6B7292}" sibTransId="{DB21E6A2-F1F9-4806-88D9-A933DFD6E7D5}"/>
-    <dgm:cxn modelId="{0854791C-E909-42B1-BB55-1919D219B760}" type="presOf" srcId="{3649C269-CC8C-412A-BE67-CBF134A3DBA2}" destId="{EAAC11EB-0C6C-4702-852D-976E0A07E449}" srcOrd="0" destOrd="0" presId="urn:microsoft.com/office/officeart/2016/7/layout/LinearArrowProcessNumbered"/>
-    <dgm:cxn modelId="{55CD9A55-7F59-4EE5-A2CF-3930A7441C0C}" type="presOf" srcId="{BBB26582-D2D0-4D2E-8630-E74BEE0CA605}" destId="{59659A8F-9E15-4E14-A09A-6EDA8DCC5FF7}" srcOrd="0" destOrd="0" presId="urn:microsoft.com/office/officeart/2016/7/layout/LinearArrowProcessNumbered"/>
-    <dgm:cxn modelId="{5E4A2684-35AF-4CEB-A7D2-DC0D7C8AEF0B}" type="presOf" srcId="{EDCE15AE-FC79-43C8-ACF6-150F12CD9557}" destId="{BB4306C1-7513-4445-BA74-692E64FA5717}" srcOrd="0" destOrd="0" presId="urn:microsoft.com/office/officeart/2016/7/layout/LinearArrowProcessNumbered"/>
-    <dgm:cxn modelId="{D1CA7A9F-B867-4650-8E28-C2470CCB0D6B}" type="presOf" srcId="{6B13A1B9-862A-4D5B-AA77-9D58688564BF}" destId="{6987E3E3-2F14-45D5-BCF2-6BB75407FE17}" srcOrd="0" destOrd="0" presId="urn:microsoft.com/office/officeart/2016/7/layout/LinearArrowProcessNumbered"/>
-    <dgm:cxn modelId="{58221EA5-6733-4795-BE3C-BA62AD5245DC}" srcId="{BBB26582-D2D0-4D2E-8630-E74BEE0CA605}" destId="{EDCE15AE-FC79-43C8-ACF6-150F12CD9557}" srcOrd="0" destOrd="0" parTransId="{3506D4AF-C52F-4091-9CA0-89299467BC73}" sibTransId="{3DCB7B24-9EBA-4375-9455-BF91FD79D97A}"/>
-    <dgm:cxn modelId="{B992FFB2-4343-4BCB-803A-047EB08FF8AF}" type="presOf" srcId="{DB21E6A2-F1F9-4806-88D9-A933DFD6E7D5}" destId="{8AA3F61D-9005-482E-8DBC-3BBB22BA4B28}" srcOrd="0" destOrd="0" presId="urn:microsoft.com/office/officeart/2016/7/layout/LinearArrowProcessNumbered"/>
-    <dgm:cxn modelId="{39B695B6-6C94-48CA-98CC-75850F4DA9E3}" srcId="{BBB26582-D2D0-4D2E-8630-E74BEE0CA605}" destId="{A9D2977C-9EFA-412C-8B0F-4D8167BCAC1B}" srcOrd="1" destOrd="0" parTransId="{22BBE652-F027-4E95-834C-EA5B37BDD8E2}" sibTransId="{E1458374-551C-42DD-AC5C-50E43606E0E6}"/>
-    <dgm:cxn modelId="{E771F3C3-F04C-45AE-AEAE-79609EFD20AD}" type="presOf" srcId="{3DCB7B24-9EBA-4375-9455-BF91FD79D97A}" destId="{E680EB01-E690-426E-A388-D4281794F6D6}" srcOrd="0" destOrd="0" presId="urn:microsoft.com/office/officeart/2016/7/layout/LinearArrowProcessNumbered"/>
-    <dgm:cxn modelId="{6A4EE1D6-30C4-4B22-B16D-D91BDF39D3C5}" srcId="{BBB26582-D2D0-4D2E-8630-E74BEE0CA605}" destId="{3649C269-CC8C-412A-BE67-CBF134A3DBA2}" srcOrd="2" destOrd="0" parTransId="{AFDAAC13-A4B6-43E2-BFD2-22CFBDF4FF24}" sibTransId="{39290786-9B73-4FCA-99F4-A4EC9FF8AEE4}"/>
-    <dgm:cxn modelId="{6ABFCBE8-0E27-4A90-B489-82AC8CA8C10B}" type="presOf" srcId="{39290786-9B73-4FCA-99F4-A4EC9FF8AEE4}" destId="{E6B6BF8C-6CD1-4BC2-B657-32AA5E35F973}" srcOrd="0" destOrd="0" presId="urn:microsoft.com/office/officeart/2016/7/layout/LinearArrowProcessNumbered"/>
-    <dgm:cxn modelId="{1B5066FB-69D4-4BD0-96FC-0F7FCA420CA3}" type="presOf" srcId="{A9D2977C-9EFA-412C-8B0F-4D8167BCAC1B}" destId="{E436178D-1D58-4CBD-B71A-1007645C5B9A}" srcOrd="0" destOrd="0" presId="urn:microsoft.com/office/officeart/2016/7/layout/LinearArrowProcessNumbered"/>
-    <dgm:cxn modelId="{C26DB5FE-E2BD-48FF-A063-9B0584E112B2}" type="presOf" srcId="{E1458374-551C-42DD-AC5C-50E43606E0E6}" destId="{1BF912B9-1DE9-4A6E-A546-D6B21BCB32C0}" srcOrd="0" destOrd="0" presId="urn:microsoft.com/office/officeart/2016/7/layout/LinearArrowProcessNumbered"/>
     <dgm:cxn modelId="{B91810F4-7283-45B0-8088-5134A831DBB8}" type="presParOf" srcId="{59659A8F-9E15-4E14-A09A-6EDA8DCC5FF7}" destId="{13077817-B26A-4C62-84F9-2AA83856D6A5}" srcOrd="0" destOrd="0" presId="urn:microsoft.com/office/officeart/2016/7/layout/LinearArrowProcessNumbered"/>
     <dgm:cxn modelId="{68185DFE-F831-45A7-B64A-6292F0FA9E9A}" type="presParOf" srcId="{13077817-B26A-4C62-84F9-2AA83856D6A5}" destId="{2689295A-A88B-4AA9-8CD2-4F0D8489617E}" srcOrd="0" destOrd="0" presId="urn:microsoft.com/office/officeart/2016/7/layout/LinearArrowProcessNumbered"/>
     <dgm:cxn modelId="{0B30B038-F476-4D30-8CF2-85CF97E7B7D1}" type="presParOf" srcId="{13077817-B26A-4C62-84F9-2AA83856D6A5}" destId="{B1CB4D68-003D-4450-9B93-D7ED760DCDCC}" srcOrd="1" destOrd="0" presId="urn:microsoft.com/office/officeart/2016/7/layout/LinearArrowProcessNumbered"/>
@@ -1523,7 +1590,7 @@
         </a:bodyPr>
         <a:lstStyle/>
         <a:p>
-          <a:pPr marL="0" lvl="0" indent="0" algn="ctr" defTabSz="1244600">
+          <a:pPr lvl="0" algn="ctr" defTabSz="1244600">
             <a:lnSpc>
               <a:spcPct val="90000"/>
             </a:lnSpc>
@@ -1533,7 +1600,6 @@
             <a:spcAft>
               <a:spcPct val="35000"/>
             </a:spcAft>
-            <a:buNone/>
           </a:pPr>
           <a:r>
             <a:rPr lang="en-US" sz="2800" kern="1200"/>
@@ -1607,7 +1673,7 @@
         </a:bodyPr>
         <a:lstStyle/>
         <a:p>
-          <a:pPr marL="0" lvl="0" indent="0" algn="l" defTabSz="488950">
+          <a:pPr lvl="0" algn="l" defTabSz="488950">
             <a:lnSpc>
               <a:spcPct val="90000"/>
             </a:lnSpc>
@@ -1617,7 +1683,6 @@
             <a:spcAft>
               <a:spcPct val="35000"/>
             </a:spcAft>
-            <a:buNone/>
           </a:pPr>
           <a:r>
             <a:rPr lang="en-GB" sz="1100" kern="1200"/>
@@ -1797,7 +1862,7 @@
         </a:bodyPr>
         <a:lstStyle/>
         <a:p>
-          <a:pPr marL="0" lvl="0" indent="0" algn="ctr" defTabSz="1244600">
+          <a:pPr lvl="0" algn="ctr" defTabSz="1244600">
             <a:lnSpc>
               <a:spcPct val="90000"/>
             </a:lnSpc>
@@ -1807,7 +1872,6 @@
             <a:spcAft>
               <a:spcPct val="35000"/>
             </a:spcAft>
-            <a:buNone/>
           </a:pPr>
           <a:r>
             <a:rPr lang="en-US" sz="2800" kern="1200"/>
@@ -1881,7 +1945,7 @@
         </a:bodyPr>
         <a:lstStyle/>
         <a:p>
-          <a:pPr marL="0" lvl="0" indent="0" algn="l" defTabSz="488950">
+          <a:pPr lvl="0" algn="l" defTabSz="488950">
             <a:lnSpc>
               <a:spcPct val="90000"/>
             </a:lnSpc>
@@ -1891,21 +1955,24 @@
             <a:spcAft>
               <a:spcPct val="35000"/>
             </a:spcAft>
-            <a:buNone/>
           </a:pPr>
           <a:r>
-            <a:rPr lang="en-GB" sz="1100" kern="1200"/>
+            <a:rPr lang="en-GB" sz="1100" kern="1200" dirty="0"/>
             <a:t>Now we can create files and modify them, but to add them to git, we run “</a:t>
           </a:r>
           <a:r>
-            <a:rPr lang="en-GB" sz="1100" b="1" kern="1200"/>
-            <a:t>git add *</a:t>
+            <a:rPr lang="en-GB" sz="1100" b="1" kern="1200" dirty="0"/>
+            <a:t>git add </a:t>
           </a:r>
           <a:r>
-            <a:rPr lang="en-GB" sz="1100" kern="1200"/>
+            <a:rPr lang="en-GB" sz="1100" b="1" kern="1200" dirty="0" smtClean="0"/>
+            <a:t>.</a:t>
+          </a:r>
+          <a:r>
+            <a:rPr lang="en-GB" sz="1100" kern="1200" dirty="0" smtClean="0"/>
             <a:t>”</a:t>
           </a:r>
-          <a:endParaRPr lang="en-US" sz="1100" kern="1200"/>
+          <a:endParaRPr lang="en-US" sz="1100" kern="1200" dirty="0"/>
         </a:p>
       </dsp:txBody>
       <dsp:txXfrm>
@@ -2071,7 +2138,7 @@
         </a:bodyPr>
         <a:lstStyle/>
         <a:p>
-          <a:pPr marL="0" lvl="0" indent="0" algn="ctr" defTabSz="1244600">
+          <a:pPr lvl="0" algn="ctr" defTabSz="1244600">
             <a:lnSpc>
               <a:spcPct val="90000"/>
             </a:lnSpc>
@@ -2081,7 +2148,6 @@
             <a:spcAft>
               <a:spcPct val="35000"/>
             </a:spcAft>
-            <a:buNone/>
           </a:pPr>
           <a:r>
             <a:rPr lang="en-US" sz="2800" kern="1200"/>
@@ -2155,7 +2221,7 @@
         </a:bodyPr>
         <a:lstStyle/>
         <a:p>
-          <a:pPr marL="0" lvl="0" indent="0" algn="l" defTabSz="488950">
+          <a:pPr lvl="0" algn="l" defTabSz="488950">
             <a:lnSpc>
               <a:spcPct val="90000"/>
             </a:lnSpc>
@@ -2165,7 +2231,6 @@
             <a:spcAft>
               <a:spcPct val="35000"/>
             </a:spcAft>
-            <a:buNone/>
           </a:pPr>
           <a:r>
             <a:rPr lang="en-GB" sz="1100" kern="1200" dirty="0"/>
@@ -2288,7 +2353,7 @@
         </a:bodyPr>
         <a:lstStyle/>
         <a:p>
-          <a:pPr marL="0" lvl="0" indent="0" algn="ctr" defTabSz="1244600">
+          <a:pPr lvl="0" algn="ctr" defTabSz="1244600">
             <a:lnSpc>
               <a:spcPct val="90000"/>
             </a:lnSpc>
@@ -2298,7 +2363,6 @@
             <a:spcAft>
               <a:spcPct val="35000"/>
             </a:spcAft>
-            <a:buNone/>
           </a:pPr>
           <a:r>
             <a:rPr lang="en-US" sz="2800" kern="1200"/>
@@ -2372,7 +2436,7 @@
         </a:bodyPr>
         <a:lstStyle/>
         <a:p>
-          <a:pPr marL="0" lvl="0" indent="0" algn="l" defTabSz="488950">
+          <a:pPr lvl="0" algn="l" defTabSz="488950">
             <a:lnSpc>
               <a:spcPct val="90000"/>
             </a:lnSpc>
@@ -2382,7 +2446,6 @@
             <a:spcAft>
               <a:spcPct val="35000"/>
             </a:spcAft>
-            <a:buNone/>
           </a:pPr>
           <a:r>
             <a:rPr lang="en-GB" sz="1100" kern="1200"/>
@@ -2837,7 +2900,7 @@
   </dgm:layoutNode>
   <dgm:extLst>
     <a:ext uri="{4F341089-5ED1-44EC-B178-C955D00A3D55}">
-      <dgm1611:autoBuNodeInfoLst xmlns:dgm1611="http://schemas.microsoft.com/office/drawing/2016/11/diagram">
+      <dgm1611:autoBuNodeInfoLst xmlns:dgm1611="http://schemas.microsoft.com/office/drawing/2016/11/diagram" xmlns="">
         <dgm1611:autoBuNodeInfo lvl="1" ptType="sibTrans">
           <dgm1611:buPr prefix="" leadZeros="0">
             <a:buAutoNum type="arabicParenBoth"/>
@@ -3978,7 +4041,7 @@
           <a:effectLst/>
           <a:extLst>
             <a:ext uri="{91240B29-F687-4f45-9708-019B960494DF}">
-              <a14:hiddenLine xmlns:a14="http://schemas.microsoft.com/office/drawing/2010/main" xmlns="" w="9525">
+              <a14:hiddenLine xmlns="" xmlns:a14="http://schemas.microsoft.com/office/drawing/2010/main" w="9525">
                 <a:solidFill>
                   <a:srgbClr val="000000"/>
                 </a:solidFill>
@@ -5488,7 +5551,7 @@
           <a:ln/>
           <a:extLst>
             <a:ext uri="{91240B29-F687-4f45-9708-019B960494DF}">
-              <a14:hiddenLine xmlns:a14="http://schemas.microsoft.com/office/drawing/2010/main" xmlns="" w="9525">
+              <a14:hiddenLine xmlns="" xmlns:a14="http://schemas.microsoft.com/office/drawing/2010/main" w="9525">
                 <a:solidFill>
                   <a:srgbClr val="000000"/>
                 </a:solidFill>
@@ -5760,7 +5823,7 @@
           <a:ln/>
           <a:extLst>
             <a:ext uri="{91240B29-F687-4f45-9708-019B960494DF}">
-              <a14:hiddenLine xmlns:a14="http://schemas.microsoft.com/office/drawing/2010/main" xmlns="" w="9525">
+              <a14:hiddenLine xmlns="" xmlns:a14="http://schemas.microsoft.com/office/drawing/2010/main" w="9525">
                 <a:solidFill>
                   <a:srgbClr val="000000"/>
                 </a:solidFill>
@@ -6040,7 +6103,7 @@
           <a:ln/>
           <a:extLst>
             <a:ext uri="{91240B29-F687-4f45-9708-019B960494DF}">
-              <a14:hiddenLine xmlns:a14="http://schemas.microsoft.com/office/drawing/2010/main" xmlns="" w="9525">
+              <a14:hiddenLine xmlns="" xmlns:a14="http://schemas.microsoft.com/office/drawing/2010/main" w="9525">
                 <a:solidFill>
                   <a:srgbClr val="000000"/>
                 </a:solidFill>
@@ -6660,7 +6723,7 @@
           <a:ln/>
           <a:extLst>
             <a:ext uri="{91240B29-F687-4f45-9708-019B960494DF}">
-              <a14:hiddenLine xmlns:a14="http://schemas.microsoft.com/office/drawing/2010/main" xmlns="" w="9525">
+              <a14:hiddenLine xmlns="" xmlns:a14="http://schemas.microsoft.com/office/drawing/2010/main" w="9525">
                 <a:solidFill>
                   <a:srgbClr val="000000"/>
                 </a:solidFill>
@@ -6996,7 +7059,7 @@
           <a:ln/>
           <a:extLst>
             <a:ext uri="{91240B29-F687-4f45-9708-019B960494DF}">
-              <a14:hiddenLine xmlns:a14="http://schemas.microsoft.com/office/drawing/2010/main" xmlns="" w="9525">
+              <a14:hiddenLine xmlns="" xmlns:a14="http://schemas.microsoft.com/office/drawing/2010/main" w="9525">
                 <a:solidFill>
                   <a:srgbClr val="000000"/>
                 </a:solidFill>
@@ -7470,7 +7533,7 @@
           <a:ln/>
           <a:extLst>
             <a:ext uri="{91240B29-F687-4f45-9708-019B960494DF}">
-              <a14:hiddenLine xmlns:a14="http://schemas.microsoft.com/office/drawing/2010/main" xmlns="" w="9525">
+              <a14:hiddenLine xmlns="" xmlns:a14="http://schemas.microsoft.com/office/drawing/2010/main" w="9525">
                 <a:solidFill>
                   <a:srgbClr val="000000"/>
                 </a:solidFill>
@@ -7893,7 +7956,7 @@
           <a:ln/>
           <a:extLst>
             <a:ext uri="{91240B29-F687-4f45-9708-019B960494DF}">
-              <a14:hiddenLine xmlns:a14="http://schemas.microsoft.com/office/drawing/2010/main" xmlns="" w="9525">
+              <a14:hiddenLine xmlns="" xmlns:a14="http://schemas.microsoft.com/office/drawing/2010/main" w="9525">
                 <a:solidFill>
                   <a:srgbClr val="000000"/>
                 </a:solidFill>
@@ -9132,7 +9195,7 @@
                 <a16:creationId xmlns:a16="http://schemas.microsoft.com/office/drawing/2014/main" id="{54047A07-72EC-41BC-A55F-C264F639FB20}"/>
               </a:ext>
               <a:ext uri="{C183D7F6-B498-43B3-948B-1728B52AA6E4}">
-                <adec:decorative xmlns:adec="http://schemas.microsoft.com/office/drawing/2017/decorative" val="1"/>
+                <adec:decorative xmlns:adec="http://schemas.microsoft.com/office/drawing/2017/decorative" xmlns="" val="1"/>
               </a:ext>
             </a:extLst>
           </p:cNvPr>
@@ -9488,7 +9551,7 @@
                 <a16:creationId xmlns:a16="http://schemas.microsoft.com/office/drawing/2014/main" id="{022AEB96-A3F8-4EC3-A246-8DAD9319AC20}"/>
               </a:ext>
               <a:ext uri="{C183D7F6-B498-43B3-948B-1728B52AA6E4}">
-                <adec:decorative xmlns:adec="http://schemas.microsoft.com/office/drawing/2017/decorative" val="1"/>
+                <adec:decorative xmlns:adec="http://schemas.microsoft.com/office/drawing/2017/decorative" xmlns="" val="1"/>
               </a:ext>
             </a:extLst>
           </p:cNvPr>
@@ -9551,7 +9614,7 @@
                 <a16:creationId xmlns:a16="http://schemas.microsoft.com/office/drawing/2014/main" id="{14002556-A10E-479D-9B30-0C8B7938EF41}"/>
               </a:ext>
               <a:ext uri="{C183D7F6-B498-43B3-948B-1728B52AA6E4}">
-                <adec:decorative xmlns:adec="http://schemas.microsoft.com/office/drawing/2017/decorative" val="1"/>
+                <adec:decorative xmlns:adec="http://schemas.microsoft.com/office/drawing/2017/decorative" xmlns="" val="1"/>
               </a:ext>
             </a:extLst>
           </p:cNvPr>
@@ -9942,7 +10005,7 @@
                 <a16:creationId xmlns:a16="http://schemas.microsoft.com/office/drawing/2014/main" id="{5940F547-7206-4401-94FB-F8421915D8B8}"/>
               </a:ext>
               <a:ext uri="{C183D7F6-B498-43B3-948B-1728B52AA6E4}">
-                <adec:decorative xmlns:adec="http://schemas.microsoft.com/office/drawing/2017/decorative" val="1"/>
+                <adec:decorative xmlns:adec="http://schemas.microsoft.com/office/drawing/2017/decorative" xmlns="" val="1"/>
               </a:ext>
             </a:extLst>
           </p:cNvPr>
@@ -10207,7 +10270,7 @@
                 <a16:creationId xmlns:a16="http://schemas.microsoft.com/office/drawing/2014/main" id="{72319FFA-0E4F-4E0B-BEBA-A9DD4B41AAE9}"/>
               </a:ext>
               <a:ext uri="{C183D7F6-B498-43B3-948B-1728B52AA6E4}">
-                <adec:decorative xmlns:adec="http://schemas.microsoft.com/office/drawing/2017/decorative" val="1"/>
+                <adec:decorative xmlns:adec="http://schemas.microsoft.com/office/drawing/2017/decorative" xmlns="" val="1"/>
               </a:ext>
             </a:extLst>
           </p:cNvPr>
@@ -10523,7 +10586,7 @@
                 <a16:creationId xmlns:a16="http://schemas.microsoft.com/office/drawing/2014/main" id="{5940F547-7206-4401-94FB-F8421915D8B8}"/>
               </a:ext>
               <a:ext uri="{C183D7F6-B498-43B3-948B-1728B52AA6E4}">
-                <adec:decorative xmlns:adec="http://schemas.microsoft.com/office/drawing/2017/decorative" val="1"/>
+                <adec:decorative xmlns:adec="http://schemas.microsoft.com/office/drawing/2017/decorative" xmlns="" val="1"/>
               </a:ext>
             </a:extLst>
           </p:cNvPr>
@@ -10723,7 +10786,7 @@
                 <a16:creationId xmlns:a16="http://schemas.microsoft.com/office/drawing/2014/main" id="{5940F547-7206-4401-94FB-F8421915D8B8}"/>
               </a:ext>
               <a:ext uri="{C183D7F6-B498-43B3-948B-1728B52AA6E4}">
-                <adec:decorative xmlns:adec="http://schemas.microsoft.com/office/drawing/2017/decorative" val="1"/>
+                <adec:decorative xmlns:adec="http://schemas.microsoft.com/office/drawing/2017/decorative" xmlns="" val="1"/>
               </a:ext>
             </a:extLst>
           </p:cNvPr>
@@ -10977,7 +11040,7 @@
                 <a16:creationId xmlns:a16="http://schemas.microsoft.com/office/drawing/2014/main" id="{72319FFA-0E4F-4E0B-BEBA-A9DD4B41AAE9}"/>
               </a:ext>
               <a:ext uri="{C183D7F6-B498-43B3-948B-1728B52AA6E4}">
-                <adec:decorative xmlns:adec="http://schemas.microsoft.com/office/drawing/2017/decorative" val="1"/>
+                <adec:decorative xmlns:adec="http://schemas.microsoft.com/office/drawing/2017/decorative" xmlns="" val="1"/>
               </a:ext>
             </a:extLst>
           </p:cNvPr>
@@ -11369,7 +11432,7 @@
                 <a16:creationId xmlns:a16="http://schemas.microsoft.com/office/drawing/2014/main" id="{5940F547-7206-4401-94FB-F8421915D8B8}"/>
               </a:ext>
               <a:ext uri="{C183D7F6-B498-43B3-948B-1728B52AA6E4}">
-                <adec:decorative xmlns:adec="http://schemas.microsoft.com/office/drawing/2017/decorative" val="1"/>
+                <adec:decorative xmlns:adec="http://schemas.microsoft.com/office/drawing/2017/decorative" xmlns="" val="1"/>
               </a:ext>
             </a:extLst>
           </p:cNvPr>
@@ -12362,7 +12425,7 @@
                 <a16:creationId xmlns:a16="http://schemas.microsoft.com/office/drawing/2014/main" id="{8C1FC8BA-94E6-44F7-B346-6A2215E66D2E}"/>
               </a:ext>
               <a:ext uri="{C183D7F6-B498-43B3-948B-1728B52AA6E4}">
-                <adec:decorative xmlns:adec="http://schemas.microsoft.com/office/drawing/2017/decorative" val="1"/>
+                <adec:decorative xmlns:adec="http://schemas.microsoft.com/office/drawing/2017/decorative" xmlns="" val="1"/>
               </a:ext>
             </a:extLst>
           </p:cNvPr>
@@ -12425,7 +12488,7 @@
                 <a16:creationId xmlns:a16="http://schemas.microsoft.com/office/drawing/2014/main" id="{A8329D92-4903-43FF-90F4-878F5D3F1D22}"/>
               </a:ext>
               <a:ext uri="{C183D7F6-B498-43B3-948B-1728B52AA6E4}">
-                <adec:decorative xmlns:adec="http://schemas.microsoft.com/office/drawing/2017/decorative" val="1"/>
+                <adec:decorative xmlns:adec="http://schemas.microsoft.com/office/drawing/2017/decorative" xmlns="" val="1"/>
               </a:ext>
             </a:extLst>
           </p:cNvPr>
@@ -12762,7 +12825,7 @@
                 <a16:creationId xmlns:a16="http://schemas.microsoft.com/office/drawing/2014/main" id="{567B1EEF-AB32-40F7-AD5F-41E0EA001EBE}"/>
               </a:ext>
               <a:ext uri="{C183D7F6-B498-43B3-948B-1728B52AA6E4}">
-                <adec:decorative xmlns:adec="http://schemas.microsoft.com/office/drawing/2017/decorative" val="1"/>
+                <adec:decorative xmlns:adec="http://schemas.microsoft.com/office/drawing/2017/decorative" xmlns="" val="1"/>
               </a:ext>
             </a:extLst>
           </p:cNvPr>
@@ -13174,7 +13237,7 @@
                 <a16:creationId xmlns:a16="http://schemas.microsoft.com/office/drawing/2014/main" id="{022AEB96-A3F8-4EC3-A246-8DAD9319AC20}"/>
               </a:ext>
               <a:ext uri="{C183D7F6-B498-43B3-948B-1728B52AA6E4}">
-                <adec:decorative xmlns:adec="http://schemas.microsoft.com/office/drawing/2017/decorative" val="1"/>
+                <adec:decorative xmlns:adec="http://schemas.microsoft.com/office/drawing/2017/decorative" xmlns="" val="1"/>
               </a:ext>
             </a:extLst>
           </p:cNvPr>
@@ -13237,7 +13300,7 @@
                 <a16:creationId xmlns:a16="http://schemas.microsoft.com/office/drawing/2014/main" id="{14002556-A10E-479D-9B30-0C8B7938EF41}"/>
               </a:ext>
               <a:ext uri="{C183D7F6-B498-43B3-948B-1728B52AA6E4}">
-                <adec:decorative xmlns:adec="http://schemas.microsoft.com/office/drawing/2017/decorative" val="1"/>
+                <adec:decorative xmlns:adec="http://schemas.microsoft.com/office/drawing/2017/decorative" xmlns="" val="1"/>
               </a:ext>
             </a:extLst>
           </p:cNvPr>
@@ -13514,7 +13577,7 @@
             <p:ph idx="1"/>
             <p:extLst>
               <p:ext uri="{D42A27DB-BD31-4B8C-83A1-F6EECF244321}">
-                <p14:modId xmlns:p14="http://schemas.microsoft.com/office/powerpoint/2010/main" val="2066784581"/>
+                <p14:modId xmlns:p14="http://schemas.microsoft.com/office/powerpoint/2010/main" val="4169177040"/>
               </p:ext>
             </p:extLst>
           </p:nvPr>
@@ -13575,7 +13638,7 @@
                 <a16:creationId xmlns:a16="http://schemas.microsoft.com/office/drawing/2014/main" id="{5940F547-7206-4401-94FB-F8421915D8B8}"/>
               </a:ext>
               <a:ext uri="{C183D7F6-B498-43B3-948B-1728B52AA6E4}">
-                <adec:decorative xmlns:adec="http://schemas.microsoft.com/office/drawing/2017/decorative" val="1"/>
+                <adec:decorative xmlns:adec="http://schemas.microsoft.com/office/drawing/2017/decorative" xmlns="" val="1"/>
               </a:ext>
             </a:extLst>
           </p:cNvPr>
@@ -13778,7 +13841,7 @@
                 <a16:creationId xmlns:a16="http://schemas.microsoft.com/office/drawing/2014/main" id="{6A01907A-BF04-440F-BA0D-49BC9627344C}"/>
               </a:ext>
               <a:ext uri="{C183D7F6-B498-43B3-948B-1728B52AA6E4}">
-                <adec:decorative xmlns:adec="http://schemas.microsoft.com/office/drawing/2017/decorative" val="1"/>
+                <adec:decorative xmlns:adec="http://schemas.microsoft.com/office/drawing/2017/decorative" xmlns="" val="1"/>
               </a:ext>
             </a:extLst>
           </p:cNvPr>
@@ -13947,27 +14010,60 @@
           <a:p>
             <a:r>
               <a:rPr lang="en-GB" dirty="0"/>
-              <a:t>By running “</a:t>
+              <a:t>By running </a:t>
+            </a:r>
+            <a:r>
+              <a:rPr lang="en-GB" dirty="0" smtClean="0"/>
+              <a:t>“</a:t>
             </a:r>
             <a:r>
               <a:rPr lang="en-GB" b="1" dirty="0"/>
-              <a:t>git remote add origin git@github.com:[user]/[repo].git</a:t>
+              <a:t>git remote add origin https://github.com</a:t>
+            </a:r>
+            <a:r>
+              <a:rPr lang="en-GB" b="1" dirty="0" smtClean="0"/>
+              <a:t>/[user]/[repo].</a:t>
+            </a:r>
+            <a:r>
+              <a:rPr lang="en-GB" b="1" dirty="0"/>
+              <a:t>git</a:t>
+            </a:r>
+            <a:r>
+              <a:rPr lang="en-GB" dirty="0" smtClean="0"/>
+              <a:t>” </a:t>
             </a:r>
             <a:r>
               <a:rPr lang="en-GB" dirty="0"/>
-              <a:t>” we’ll connect it</a:t>
+              <a:t>we’ll connect it</a:t>
             </a:r>
           </a:p>
           <a:p>
             <a:r>
               <a:rPr lang="en-GB" dirty="0"/>
-              <a:t>It might ask you to sign in, especially if you had the HTTPS option selected (and not SSH)</a:t>
-            </a:r>
-          </a:p>
-          <a:p>
+              <a:t>It might ask you to sign in, especially if </a:t>
+            </a:r>
+            <a:r>
+              <a:rPr lang="en-GB" dirty="0" smtClean="0"/>
+              <a:t>we have </a:t>
+            </a:r>
+            <a:r>
+              <a:rPr lang="en-GB" dirty="0" smtClean="0"/>
+              <a:t>the </a:t>
+            </a:r>
             <a:r>
               <a:rPr lang="en-GB" dirty="0"/>
-              <a:t>Then to push our local files from Git, we’ll run “</a:t>
+              <a:t>HTTPS option selected </a:t>
+            </a:r>
+            <a:endParaRPr lang="en-GB" dirty="0" smtClean="0"/>
+          </a:p>
+          <a:p>
+            <a:r>
+              <a:rPr lang="en-GB" dirty="0" smtClean="0"/>
+              <a:t>Then </a:t>
+            </a:r>
+            <a:r>
+              <a:rPr lang="en-GB" dirty="0"/>
+              <a:t>to push our local files from Git, we’ll run “</a:t>
             </a:r>
             <a:r>
               <a:rPr lang="en-GB" b="1" dirty="0"/>
